--- a/Slides/Class12.pptx
+++ b/Slides/Class12.pptx
@@ -3745,7 +3745,7 @@
         <p:spPr>
           <a:xfrm>
             <a:off x="722088" y="3711629"/>
-            <a:ext cx="7436528" cy="1569660"/>
+            <a:ext cx="7436528" cy="2492990"/>
           </a:xfrm>
           <a:prstGeom prst="rect">
             <a:avLst/>
@@ -3791,6 +3791,47 @@
               </a:rPr>
               <a:t>Physics as a Community</a:t>
             </a:r>
+          </a:p>
+          <a:p>
+            <a:pPr marL="568325" lvl="1"/>
+            <a:r>
+              <a:rPr lang="en-US" sz="2800" i="1" dirty="0">
+                <a:latin typeface="Times New Roman" panose="02020603050405020304" pitchFamily="18" charset="0"/>
+                <a:ea typeface="MS Mincho" panose="02020609040205080304" pitchFamily="49" charset="-128"/>
+                <a:cs typeface="Times New Roman" panose="02020603050405020304" pitchFamily="18" charset="0"/>
+              </a:rPr>
+              <a:t>(Based on presentations by E.J. </a:t>
+            </a:r>
+            <a:r>
+              <a:rPr lang="en-US" sz="2800" i="1" dirty="0" err="1">
+                <a:latin typeface="Times New Roman" panose="02020603050405020304" pitchFamily="18" charset="0"/>
+                <a:ea typeface="MS Mincho" panose="02020609040205080304" pitchFamily="49" charset="-128"/>
+                <a:cs typeface="Times New Roman" panose="02020603050405020304" pitchFamily="18" charset="0"/>
+              </a:rPr>
+              <a:t>Downie</a:t>
+            </a:r>
+            <a:r>
+              <a:rPr lang="en-US" sz="2800" i="1" dirty="0">
+                <a:latin typeface="Times New Roman" panose="02020603050405020304" pitchFamily="18" charset="0"/>
+                <a:ea typeface="MS Mincho" panose="02020609040205080304" pitchFamily="49" charset="-128"/>
+                <a:cs typeface="Times New Roman" panose="02020603050405020304" pitchFamily="18" charset="0"/>
+              </a:rPr>
+              <a:t>)</a:t>
+            </a:r>
+            <a:endParaRPr lang="en-US" sz="2800" dirty="0">
+              <a:latin typeface="Times New Roman"/>
+              <a:cs typeface="Times New Roman"/>
+            </a:endParaRPr>
+          </a:p>
+          <a:p>
+            <a:pPr marL="1025525" lvl="1" indent="-457200">
+              <a:buFont typeface="Arial" panose="020B0604020202020204" pitchFamily="34" charset="0"/>
+              <a:buChar char="•"/>
+            </a:pPr>
+            <a:endParaRPr lang="en-US" sz="3200" dirty="0">
+              <a:latin typeface="Times New Roman"/>
+              <a:cs typeface="Times New Roman"/>
+            </a:endParaRPr>
           </a:p>
         </p:txBody>
       </p:sp>

--- a/Slides/Class12.pptx
+++ b/Slides/Class12.pptx
@@ -227,7 +227,7 @@
           <a:p>
             <a:fld id="{C24322AF-E05B-7249-906C-FBAC6154C037}" type="datetimeFigureOut">
               <a:rPr lang="en-US" smtClean="0"/>
-              <a:t>1/24/21</a:t>
+              <a:t>6/18/25</a:t>
             </a:fld>
             <a:endParaRPr lang="en-US"/>
           </a:p>
@@ -393,7 +393,7 @@
             <a:fld id="{06A43BE5-3BD4-F642-8751-88A31D8D6D13}" type="datetimeFigureOut">
               <a:rPr lang="en-US" smtClean="0"/>
               <a:pPr/>
-              <a:t>1/24/21</a:t>
+              <a:t>6/18/25</a:t>
             </a:fld>
             <a:endParaRPr lang="en-US"/>
           </a:p>
@@ -936,7 +936,7 @@
             <a:fld id="{A4FA2B0E-4818-9849-9CF1-1031FD4E1DAB}" type="datetimeFigureOut">
               <a:rPr lang="en-US" smtClean="0"/>
               <a:pPr/>
-              <a:t>1/24/21</a:t>
+              <a:t>6/18/25</a:t>
             </a:fld>
             <a:endParaRPr lang="en-US"/>
           </a:p>
@@ -1101,7 +1101,7 @@
             <a:fld id="{A4FA2B0E-4818-9849-9CF1-1031FD4E1DAB}" type="datetimeFigureOut">
               <a:rPr lang="en-US" smtClean="0"/>
               <a:pPr/>
-              <a:t>1/24/21</a:t>
+              <a:t>6/18/25</a:t>
             </a:fld>
             <a:endParaRPr lang="en-US"/>
           </a:p>
@@ -1276,7 +1276,7 @@
             <a:fld id="{A4FA2B0E-4818-9849-9CF1-1031FD4E1DAB}" type="datetimeFigureOut">
               <a:rPr lang="en-US" smtClean="0"/>
               <a:pPr/>
-              <a:t>1/24/21</a:t>
+              <a:t>6/18/25</a:t>
             </a:fld>
             <a:endParaRPr lang="en-US"/>
           </a:p>
@@ -1441,7 +1441,7 @@
             <a:fld id="{A4FA2B0E-4818-9849-9CF1-1031FD4E1DAB}" type="datetimeFigureOut">
               <a:rPr lang="en-US" smtClean="0"/>
               <a:pPr/>
-              <a:t>1/24/21</a:t>
+              <a:t>6/18/25</a:t>
             </a:fld>
             <a:endParaRPr lang="en-US"/>
           </a:p>
@@ -1683,7 +1683,7 @@
             <a:fld id="{A4FA2B0E-4818-9849-9CF1-1031FD4E1DAB}" type="datetimeFigureOut">
               <a:rPr lang="en-US" smtClean="0"/>
               <a:pPr/>
-              <a:t>1/24/21</a:t>
+              <a:t>6/18/25</a:t>
             </a:fld>
             <a:endParaRPr lang="en-US"/>
           </a:p>
@@ -1965,7 +1965,7 @@
             <a:fld id="{A4FA2B0E-4818-9849-9CF1-1031FD4E1DAB}" type="datetimeFigureOut">
               <a:rPr lang="en-US" smtClean="0"/>
               <a:pPr/>
-              <a:t>1/24/21</a:t>
+              <a:t>6/18/25</a:t>
             </a:fld>
             <a:endParaRPr lang="en-US"/>
           </a:p>
@@ -2381,7 +2381,7 @@
             <a:fld id="{A4FA2B0E-4818-9849-9CF1-1031FD4E1DAB}" type="datetimeFigureOut">
               <a:rPr lang="en-US" smtClean="0"/>
               <a:pPr/>
-              <a:t>1/24/21</a:t>
+              <a:t>6/18/25</a:t>
             </a:fld>
             <a:endParaRPr lang="en-US"/>
           </a:p>
@@ -2495,7 +2495,7 @@
             <a:fld id="{A4FA2B0E-4818-9849-9CF1-1031FD4E1DAB}" type="datetimeFigureOut">
               <a:rPr lang="en-US" smtClean="0"/>
               <a:pPr/>
-              <a:t>1/24/21</a:t>
+              <a:t>6/18/25</a:t>
             </a:fld>
             <a:endParaRPr lang="en-US"/>
           </a:p>
@@ -2587,7 +2587,7 @@
             <a:fld id="{A4FA2B0E-4818-9849-9CF1-1031FD4E1DAB}" type="datetimeFigureOut">
               <a:rPr lang="en-US" smtClean="0"/>
               <a:pPr/>
-              <a:t>1/24/21</a:t>
+              <a:t>6/18/25</a:t>
             </a:fld>
             <a:endParaRPr lang="en-US"/>
           </a:p>
@@ -2859,7 +2859,7 @@
             <a:fld id="{A4FA2B0E-4818-9849-9CF1-1031FD4E1DAB}" type="datetimeFigureOut">
               <a:rPr lang="en-US" smtClean="0"/>
               <a:pPr/>
-              <a:t>1/24/21</a:t>
+              <a:t>6/18/25</a:t>
             </a:fld>
             <a:endParaRPr lang="en-US"/>
           </a:p>
@@ -3108,7 +3108,7 @@
             <a:fld id="{A4FA2B0E-4818-9849-9CF1-1031FD4E1DAB}" type="datetimeFigureOut">
               <a:rPr lang="en-US" smtClean="0"/>
               <a:pPr/>
-              <a:t>1/24/21</a:t>
+              <a:t>6/18/25</a:t>
             </a:fld>
             <a:endParaRPr lang="en-US"/>
           </a:p>
@@ -3316,7 +3316,7 @@
             <a:fld id="{A4FA2B0E-4818-9849-9CF1-1031FD4E1DAB}" type="datetimeFigureOut">
               <a:rPr lang="en-US" smtClean="0"/>
               <a:pPr/>
-              <a:t>1/24/21</a:t>
+              <a:t>6/18/25</a:t>
             </a:fld>
             <a:endParaRPr lang="en-US"/>
           </a:p>
@@ -4620,7 +4620,7 @@
         <p:spPr>
           <a:xfrm>
             <a:off x="551180" y="945630"/>
-            <a:ext cx="8141407" cy="4201150"/>
+            <a:ext cx="8141407" cy="4955203"/>
           </a:xfrm>
           <a:prstGeom prst="rect">
             <a:avLst/>
@@ -4734,6 +4734,43 @@
                 <a:hlinkClick r:id="rId4"/>
               </a:rPr>
               <a:t>https://www.nature.com/news/neutrinos-not-faster-than-light-1.10249</a:t>
+            </a:r>
+            <a:endParaRPr lang="en-US" sz="2200" dirty="0">
+              <a:solidFill>
+                <a:prstClr val="black"/>
+              </a:solidFill>
+              <a:latin typeface="Times New Roman"/>
+              <a:cs typeface="Times New Roman"/>
+            </a:endParaRPr>
+          </a:p>
+          <a:p>
+            <a:pPr marL="342900" indent="-342900">
+              <a:spcAft>
+                <a:spcPts val="600"/>
+              </a:spcAft>
+              <a:buFont typeface="Arial" panose="020B0604020202020204" pitchFamily="34" charset="0"/>
+              <a:buChar char="•"/>
+            </a:pPr>
+            <a:r>
+              <a:rPr lang="en-US" sz="2200" dirty="0">
+                <a:solidFill>
+                  <a:prstClr val="black"/>
+                </a:solidFill>
+                <a:latin typeface="Times New Roman"/>
+                <a:cs typeface="Times New Roman"/>
+              </a:rPr>
+              <a:t>Thirty Meter Telescope: </a:t>
+            </a:r>
+            <a:r>
+              <a:rPr lang="en-US" sz="2200" dirty="0">
+                <a:solidFill>
+                  <a:prstClr val="black"/>
+                </a:solidFill>
+                <a:latin typeface="Times New Roman"/>
+                <a:cs typeface="Times New Roman"/>
+                <a:hlinkClick r:id="rId5"/>
+              </a:rPr>
+              <a:t>https://www.nature.com/articles/d41586-020-00076-7</a:t>
             </a:r>
             <a:endParaRPr lang="en-US" sz="2200" dirty="0">
               <a:solidFill>
@@ -4922,33 +4959,15 @@
                                   </p:childTnLst>
                                 </p:cTn>
                               </p:par>
-                            </p:childTnLst>
-                          </p:cTn>
-                        </p:par>
-                      </p:childTnLst>
-                    </p:cTn>
-                  </p:par>
-                  <p:par>
-                    <p:cTn id="11" fill="hold">
-                      <p:stCondLst>
-                        <p:cond delay="indefinite"/>
-                      </p:stCondLst>
-                      <p:childTnLst>
-                        <p:par>
-                          <p:cTn id="12" fill="hold">
-                            <p:stCondLst>
-                              <p:cond delay="0"/>
-                            </p:stCondLst>
-                            <p:childTnLst>
                               <p:par>
-                                <p:cTn id="13" presetID="1" presetClass="entr" presetSubtype="0" fill="hold" nodeType="clickEffect">
+                                <p:cTn id="11" presetID="1" presetClass="entr" presetSubtype="0" fill="hold" nodeType="withEffect">
                                   <p:stCondLst>
                                     <p:cond delay="0"/>
                                   </p:stCondLst>
                                   <p:childTnLst>
                                     <p:set>
                                       <p:cBhvr>
-                                        <p:cTn id="14" dur="1" fill="hold">
+                                        <p:cTn id="12" dur="1" fill="hold">
                                           <p:stCondLst>
                                             <p:cond delay="0"/>
                                           </p:stCondLst>
@@ -4956,7 +4975,7 @@
                                         <p:tgtEl>
                                           <p:spTgt spid="11">
                                             <p:txEl>
-                                              <p:pRg st="4" end="4"/>
+                                              <p:pRg st="3" end="3"/>
                                             </p:txEl>
                                           </p:spTgt>
                                         </p:tgtEl>
@@ -4978,26 +4997,26 @@
                     </p:cTn>
                   </p:par>
                   <p:par>
-                    <p:cTn id="15" fill="hold">
+                    <p:cTn id="13" fill="hold">
                       <p:stCondLst>
                         <p:cond delay="indefinite"/>
                       </p:stCondLst>
                       <p:childTnLst>
                         <p:par>
-                          <p:cTn id="16" fill="hold">
+                          <p:cTn id="14" fill="hold">
                             <p:stCondLst>
                               <p:cond delay="0"/>
                             </p:stCondLst>
                             <p:childTnLst>
                               <p:par>
-                                <p:cTn id="17" presetID="1" presetClass="entr" presetSubtype="0" fill="hold" nodeType="clickEffect">
+                                <p:cTn id="15" presetID="1" presetClass="entr" presetSubtype="0" fill="hold" nodeType="clickEffect">
                                   <p:stCondLst>
                                     <p:cond delay="0"/>
                                   </p:stCondLst>
                                   <p:childTnLst>
                                     <p:set>
                                       <p:cBhvr>
-                                        <p:cTn id="18" dur="1" fill="hold">
+                                        <p:cTn id="16" dur="1" fill="hold">
                                           <p:stCondLst>
                                             <p:cond delay="0"/>
                                           </p:stCondLst>
@@ -5006,6 +5025,55 @@
                                           <p:spTgt spid="11">
                                             <p:txEl>
                                               <p:pRg st="5" end="5"/>
+                                            </p:txEl>
+                                          </p:spTgt>
+                                        </p:tgtEl>
+                                        <p:attrNameLst>
+                                          <p:attrName>style.visibility</p:attrName>
+                                        </p:attrNameLst>
+                                      </p:cBhvr>
+                                      <p:to>
+                                        <p:strVal val="visible"/>
+                                      </p:to>
+                                    </p:set>
+                                  </p:childTnLst>
+                                </p:cTn>
+                              </p:par>
+                            </p:childTnLst>
+                          </p:cTn>
+                        </p:par>
+                      </p:childTnLst>
+                    </p:cTn>
+                  </p:par>
+                  <p:par>
+                    <p:cTn id="17" fill="hold">
+                      <p:stCondLst>
+                        <p:cond delay="indefinite"/>
+                      </p:stCondLst>
+                      <p:childTnLst>
+                        <p:par>
+                          <p:cTn id="18" fill="hold">
+                            <p:stCondLst>
+                              <p:cond delay="0"/>
+                            </p:stCondLst>
+                            <p:childTnLst>
+                              <p:par>
+                                <p:cTn id="19" presetID="1" presetClass="entr" presetSubtype="0" fill="hold" nodeType="clickEffect">
+                                  <p:stCondLst>
+                                    <p:cond delay="0"/>
+                                  </p:stCondLst>
+                                  <p:childTnLst>
+                                    <p:set>
+                                      <p:cBhvr>
+                                        <p:cTn id="20" dur="1" fill="hold">
+                                          <p:stCondLst>
+                                            <p:cond delay="0"/>
+                                          </p:stCondLst>
+                                        </p:cTn>
+                                        <p:tgtEl>
+                                          <p:spTgt spid="11">
+                                            <p:txEl>
+                                              <p:pRg st="6" end="6"/>
                                             </p:txEl>
                                           </p:spTgt>
                                         </p:tgtEl>
